--- a/Notes.pptx
+++ b/Notes.pptx
@@ -105,6 +105,11 @@
       </a:defRPr>
     </a:lvl9pPr>
   </p:defaultTextStyle>
+  <p:extLst>
+    <p:ext uri="{EFAFB233-063F-42B5-8137-9DF3F51BA10A}">
+      <p15:sldGuideLst xmlns:p15="http://schemas.microsoft.com/office/powerpoint/2012/main"/>
+    </p:ext>
+  </p:extLst>
 </p:presentation>
 </file>
 
@@ -255,7 +260,7 @@
           <a:p>
             <a:fld id="{8B263CA8-B959-4DC2-8799-DE5EA6C0A598}" type="datetimeFigureOut">
               <a:rPr lang="en-US" smtClean="0"/>
-              <a:t>3/22/2019</a:t>
+              <a:t>3/23/2019</a:t>
             </a:fld>
             <a:endParaRPr lang="en-US"/>
           </a:p>
@@ -453,7 +458,7 @@
           <a:p>
             <a:fld id="{8B263CA8-B959-4DC2-8799-DE5EA6C0A598}" type="datetimeFigureOut">
               <a:rPr lang="en-US" smtClean="0"/>
-              <a:t>3/22/2019</a:t>
+              <a:t>3/23/2019</a:t>
             </a:fld>
             <a:endParaRPr lang="en-US"/>
           </a:p>
@@ -661,7 +666,7 @@
           <a:p>
             <a:fld id="{8B263CA8-B959-4DC2-8799-DE5EA6C0A598}" type="datetimeFigureOut">
               <a:rPr lang="en-US" smtClean="0"/>
-              <a:t>3/22/2019</a:t>
+              <a:t>3/23/2019</a:t>
             </a:fld>
             <a:endParaRPr lang="en-US"/>
           </a:p>
@@ -859,7 +864,7 @@
           <a:p>
             <a:fld id="{8B263CA8-B959-4DC2-8799-DE5EA6C0A598}" type="datetimeFigureOut">
               <a:rPr lang="en-US" smtClean="0"/>
-              <a:t>3/22/2019</a:t>
+              <a:t>3/23/2019</a:t>
             </a:fld>
             <a:endParaRPr lang="en-US"/>
           </a:p>
@@ -1134,7 +1139,7 @@
           <a:p>
             <a:fld id="{8B263CA8-B959-4DC2-8799-DE5EA6C0A598}" type="datetimeFigureOut">
               <a:rPr lang="en-US" smtClean="0"/>
-              <a:t>3/22/2019</a:t>
+              <a:t>3/23/2019</a:t>
             </a:fld>
             <a:endParaRPr lang="en-US"/>
           </a:p>
@@ -1399,7 +1404,7 @@
           <a:p>
             <a:fld id="{8B263CA8-B959-4DC2-8799-DE5EA6C0A598}" type="datetimeFigureOut">
               <a:rPr lang="en-US" smtClean="0"/>
-              <a:t>3/22/2019</a:t>
+              <a:t>3/23/2019</a:t>
             </a:fld>
             <a:endParaRPr lang="en-US"/>
           </a:p>
@@ -1811,7 +1816,7 @@
           <a:p>
             <a:fld id="{8B263CA8-B959-4DC2-8799-DE5EA6C0A598}" type="datetimeFigureOut">
               <a:rPr lang="en-US" smtClean="0"/>
-              <a:t>3/22/2019</a:t>
+              <a:t>3/23/2019</a:t>
             </a:fld>
             <a:endParaRPr lang="en-US"/>
           </a:p>
@@ -1952,7 +1957,7 @@
           <a:p>
             <a:fld id="{8B263CA8-B959-4DC2-8799-DE5EA6C0A598}" type="datetimeFigureOut">
               <a:rPr lang="en-US" smtClean="0"/>
-              <a:t>3/22/2019</a:t>
+              <a:t>3/23/2019</a:t>
             </a:fld>
             <a:endParaRPr lang="en-US"/>
           </a:p>
@@ -2065,7 +2070,7 @@
           <a:p>
             <a:fld id="{8B263CA8-B959-4DC2-8799-DE5EA6C0A598}" type="datetimeFigureOut">
               <a:rPr lang="en-US" smtClean="0"/>
-              <a:t>3/22/2019</a:t>
+              <a:t>3/23/2019</a:t>
             </a:fld>
             <a:endParaRPr lang="en-US"/>
           </a:p>
@@ -2376,7 +2381,7 @@
           <a:p>
             <a:fld id="{8B263CA8-B959-4DC2-8799-DE5EA6C0A598}" type="datetimeFigureOut">
               <a:rPr lang="en-US" smtClean="0"/>
-              <a:t>3/22/2019</a:t>
+              <a:t>3/23/2019</a:t>
             </a:fld>
             <a:endParaRPr lang="en-US"/>
           </a:p>
@@ -2664,7 +2669,7 @@
           <a:p>
             <a:fld id="{8B263CA8-B959-4DC2-8799-DE5EA6C0A598}" type="datetimeFigureOut">
               <a:rPr lang="en-US" smtClean="0"/>
-              <a:t>3/22/2019</a:t>
+              <a:t>3/23/2019</a:t>
             </a:fld>
             <a:endParaRPr lang="en-US"/>
           </a:p>
@@ -2905,7 +2910,7 @@
           <a:p>
             <a:fld id="{8B263CA8-B959-4DC2-8799-DE5EA6C0A598}" type="datetimeFigureOut">
               <a:rPr lang="en-US" smtClean="0"/>
-              <a:t>3/22/2019</a:t>
+              <a:t>3/23/2019</a:t>
             </a:fld>
             <a:endParaRPr lang="en-US"/>
           </a:p>
@@ -3324,10 +3329,10 @@
       </p:grpSpPr>
       <p:sp>
         <p:nvSpPr>
-          <p:cNvPr id="10" name="TextBox 9">
-            <a:extLst>
-              <a:ext uri="{FF2B5EF4-FFF2-40B4-BE49-F238E27FC236}">
-                <a16:creationId xmlns:a16="http://schemas.microsoft.com/office/drawing/2014/main" id="{6A2A4CE1-B315-43B1-9C5A-E1464CADE29D}"/>
+          <p:cNvPr id="11" name="TextBox 10">
+            <a:extLst>
+              <a:ext uri="{FF2B5EF4-FFF2-40B4-BE49-F238E27FC236}">
+                <a16:creationId xmlns:a16="http://schemas.microsoft.com/office/drawing/2014/main" id="{85A720B6-0401-42A0-83A0-676CCFA7FD31}"/>
               </a:ext>
             </a:extLst>
           </p:cNvPr>
@@ -3336,8 +3341,8 @@
         </p:nvSpPr>
         <p:spPr>
           <a:xfrm>
-            <a:off x="637563" y="947956"/>
-            <a:ext cx="671979" cy="584775"/>
+            <a:off x="0" y="0"/>
+            <a:ext cx="7486116" cy="4247317"/>
           </a:xfrm>
           <a:prstGeom prst="rect">
             <a:avLst/>
@@ -3345,33 +3350,626 @@
           <a:noFill/>
         </p:spPr>
         <p:txBody>
-          <a:bodyPr wrap="none" rtlCol="0">
+          <a:bodyPr wrap="square" rtlCol="0">
             <a:spAutoFit/>
           </a:bodyPr>
           <a:lstStyle/>
           <a:p>
             <a:r>
-              <a:rPr lang="en-US" dirty="0">
-                <a:latin typeface="Arial" panose="020B0604020202020204" pitchFamily="34" charset="0"/>
-                <a:cs typeface="Arial" panose="020B0604020202020204" pitchFamily="34" charset="0"/>
-              </a:rPr>
-              <a:t>Start</a:t>
-            </a:r>
-          </a:p>
-          <a:p>
+              <a:rPr lang="en-US" dirty="0" err="1">
+                <a:latin typeface="Arial" panose="020B0604020202020204" pitchFamily="34" charset="0"/>
+                <a:cs typeface="Arial" panose="020B0604020202020204" pitchFamily="34" charset="0"/>
+              </a:rPr>
+              <a:t>TrafficLightArrival</a:t>
+            </a:r>
+            <a:endParaRPr lang="en-US" dirty="0">
+              <a:latin typeface="Arial" panose="020B0604020202020204" pitchFamily="34" charset="0"/>
+              <a:cs typeface="Arial" panose="020B0604020202020204" pitchFamily="34" charset="0"/>
+            </a:endParaRPr>
+          </a:p>
+          <a:p>
+            <a:r>
+              <a:rPr lang="en-US" sz="1400" dirty="0" err="1">
+                <a:latin typeface="Arial" panose="020B0604020202020204" pitchFamily="34" charset="0"/>
+                <a:cs typeface="Arial" panose="020B0604020202020204" pitchFamily="34" charset="0"/>
+              </a:rPr>
+              <a:t>numVehiclesToPass</a:t>
+            </a:r>
+            <a:r>
+              <a:rPr lang="en-US" sz="1400" dirty="0">
+                <a:latin typeface="Arial" panose="020B0604020202020204" pitchFamily="34" charset="0"/>
+                <a:cs typeface="Arial" panose="020B0604020202020204" pitchFamily="34" charset="0"/>
+              </a:rPr>
+              <a:t> = </a:t>
+            </a:r>
+            <a:r>
+              <a:rPr lang="en-US" sz="1400" dirty="0" err="1">
+                <a:latin typeface="Arial" panose="020B0604020202020204" pitchFamily="34" charset="0"/>
+                <a:cs typeface="Arial" panose="020B0604020202020204" pitchFamily="34" charset="0"/>
+              </a:rPr>
+              <a:t>vehicleQueue.size</a:t>
+            </a:r>
+            <a:r>
+              <a:rPr lang="en-US" sz="1400" dirty="0">
+                <a:latin typeface="Arial" panose="020B0604020202020204" pitchFamily="34" charset="0"/>
+                <a:cs typeface="Arial" panose="020B0604020202020204" pitchFamily="34" charset="0"/>
+              </a:rPr>
+              <a:t>()</a:t>
+            </a:r>
+          </a:p>
+          <a:p>
+            <a:r>
+              <a:rPr lang="en-US" sz="1400" dirty="0" err="1">
+                <a:latin typeface="Arial" panose="020B0604020202020204" pitchFamily="34" charset="0"/>
+                <a:cs typeface="Arial" panose="020B0604020202020204" pitchFamily="34" charset="0"/>
+              </a:rPr>
+              <a:t>greenPass</a:t>
+            </a:r>
+            <a:r>
+              <a:rPr lang="en-US" sz="1400" dirty="0">
+                <a:latin typeface="Arial" panose="020B0604020202020204" pitchFamily="34" charset="0"/>
+                <a:cs typeface="Arial" panose="020B0604020202020204" pitchFamily="34" charset="0"/>
+              </a:rPr>
+              <a:t> = floor(GREEN_DURATION / W)</a:t>
+            </a:r>
+          </a:p>
+          <a:p>
+            <a:r>
+              <a:rPr lang="en-US" sz="1400" dirty="0">
+                <a:latin typeface="Arial" panose="020B0604020202020204" pitchFamily="34" charset="0"/>
+                <a:cs typeface="Arial" panose="020B0604020202020204" pitchFamily="34" charset="0"/>
+              </a:rPr>
+              <a:t>if </a:t>
+            </a:r>
+            <a:r>
+              <a:rPr lang="en-US" sz="1400" dirty="0" err="1">
+                <a:latin typeface="Arial" panose="020B0604020202020204" pitchFamily="34" charset="0"/>
+                <a:cs typeface="Arial" panose="020B0604020202020204" pitchFamily="34" charset="0"/>
+              </a:rPr>
+              <a:t>isRed</a:t>
+            </a:r>
+            <a:r>
+              <a:rPr lang="en-US" sz="1400" dirty="0">
+                <a:latin typeface="Arial" panose="020B0604020202020204" pitchFamily="34" charset="0"/>
+                <a:cs typeface="Arial" panose="020B0604020202020204" pitchFamily="34" charset="0"/>
+              </a:rPr>
+              <a:t>(@now) {</a:t>
+            </a:r>
+          </a:p>
+          <a:p>
+            <a:r>
+              <a:rPr lang="en-US" sz="1400" dirty="0">
+                <a:latin typeface="Arial" panose="020B0604020202020204" pitchFamily="34" charset="0"/>
+                <a:cs typeface="Arial" panose="020B0604020202020204" pitchFamily="34" charset="0"/>
+              </a:rPr>
+              <a:t>    </a:t>
+            </a:r>
+            <a:r>
+              <a:rPr lang="en-US" sz="1400" dirty="0" err="1">
+                <a:latin typeface="Arial" panose="020B0604020202020204" pitchFamily="34" charset="0"/>
+                <a:cs typeface="Arial" panose="020B0604020202020204" pitchFamily="34" charset="0"/>
+              </a:rPr>
+              <a:t>vehicleQueue.add</a:t>
+            </a:r>
+            <a:r>
+              <a:rPr lang="en-US" sz="1400" dirty="0">
+                <a:latin typeface="Arial" panose="020B0604020202020204" pitchFamily="34" charset="0"/>
+                <a:cs typeface="Arial" panose="020B0604020202020204" pitchFamily="34" charset="0"/>
+              </a:rPr>
+              <a:t>(vehicle)</a:t>
+            </a:r>
+          </a:p>
+          <a:p>
+            <a:r>
+              <a:rPr lang="en-US" sz="1400" dirty="0">
+                <a:latin typeface="Arial" panose="020B0604020202020204" pitchFamily="34" charset="0"/>
+                <a:cs typeface="Arial" panose="020B0604020202020204" pitchFamily="34" charset="0"/>
+              </a:rPr>
+              <a:t>    </a:t>
+            </a:r>
+            <a:r>
+              <a:rPr lang="en-US" sz="1400" dirty="0" err="1">
+                <a:latin typeface="Arial" panose="020B0604020202020204" pitchFamily="34" charset="0"/>
+                <a:cs typeface="Arial" panose="020B0604020202020204" pitchFamily="34" charset="0"/>
+              </a:rPr>
+              <a:t>numGreens</a:t>
+            </a:r>
+            <a:r>
+              <a:rPr lang="en-US" sz="1400" dirty="0">
+                <a:latin typeface="Arial" panose="020B0604020202020204" pitchFamily="34" charset="0"/>
+                <a:cs typeface="Arial" panose="020B0604020202020204" pitchFamily="34" charset="0"/>
+              </a:rPr>
+              <a:t> = </a:t>
+            </a:r>
+            <a:r>
+              <a:rPr lang="en-US" sz="1400" dirty="0" err="1">
+                <a:latin typeface="Arial" panose="020B0604020202020204" pitchFamily="34" charset="0"/>
+                <a:cs typeface="Arial" panose="020B0604020202020204" pitchFamily="34" charset="0"/>
+              </a:rPr>
+              <a:t>numVehiclesToPass</a:t>
+            </a:r>
+            <a:r>
+              <a:rPr lang="en-US" sz="1400" dirty="0">
+                <a:latin typeface="Arial" panose="020B0604020202020204" pitchFamily="34" charset="0"/>
+                <a:cs typeface="Arial" panose="020B0604020202020204" pitchFamily="34" charset="0"/>
+              </a:rPr>
+              <a:t> / </a:t>
+            </a:r>
+            <a:r>
+              <a:rPr lang="en-US" sz="1400" dirty="0" err="1">
+                <a:latin typeface="Arial" panose="020B0604020202020204" pitchFamily="34" charset="0"/>
+                <a:cs typeface="Arial" panose="020B0604020202020204" pitchFamily="34" charset="0"/>
+              </a:rPr>
+              <a:t>greenPass</a:t>
+            </a:r>
             <a:endParaRPr lang="en-US" sz="1400" dirty="0">
               <a:latin typeface="Arial" panose="020B0604020202020204" pitchFamily="34" charset="0"/>
               <a:cs typeface="Arial" panose="020B0604020202020204" pitchFamily="34" charset="0"/>
             </a:endParaRPr>
           </a:p>
-        </p:txBody>
-      </p:sp>
-      <p:sp>
-        <p:nvSpPr>
-          <p:cNvPr id="11" name="TextBox 10">
-            <a:extLst>
-              <a:ext uri="{FF2B5EF4-FFF2-40B4-BE49-F238E27FC236}">
-                <a16:creationId xmlns:a16="http://schemas.microsoft.com/office/drawing/2014/main" id="{85A720B6-0401-42A0-83A0-676CCFA7FD31}"/>
+          <a:p>
+            <a:r>
+              <a:rPr lang="en-US" sz="1400" dirty="0">
+                <a:latin typeface="Arial" panose="020B0604020202020204" pitchFamily="34" charset="0"/>
+                <a:cs typeface="Arial" panose="020B0604020202020204" pitchFamily="34" charset="0"/>
+              </a:rPr>
+              <a:t>    </a:t>
+            </a:r>
+            <a:r>
+              <a:rPr lang="en-US" sz="1400" dirty="0" err="1">
+                <a:latin typeface="Arial" panose="020B0604020202020204" pitchFamily="34" charset="0"/>
+                <a:cs typeface="Arial" panose="020B0604020202020204" pitchFamily="34" charset="0"/>
+              </a:rPr>
+              <a:t>resPass</a:t>
+            </a:r>
+            <a:r>
+              <a:rPr lang="en-US" sz="1400" dirty="0">
+                <a:latin typeface="Arial" panose="020B0604020202020204" pitchFamily="34" charset="0"/>
+                <a:cs typeface="Arial" panose="020B0604020202020204" pitchFamily="34" charset="0"/>
+              </a:rPr>
+              <a:t> = </a:t>
+            </a:r>
+            <a:r>
+              <a:rPr lang="en-US" sz="1400" dirty="0" err="1">
+                <a:latin typeface="Arial" panose="020B0604020202020204" pitchFamily="34" charset="0"/>
+                <a:cs typeface="Arial" panose="020B0604020202020204" pitchFamily="34" charset="0"/>
+              </a:rPr>
+              <a:t>numVehiclesToPass</a:t>
+            </a:r>
+            <a:r>
+              <a:rPr lang="en-US" sz="1400" dirty="0">
+                <a:latin typeface="Arial" panose="020B0604020202020204" pitchFamily="34" charset="0"/>
+                <a:cs typeface="Arial" panose="020B0604020202020204" pitchFamily="34" charset="0"/>
+              </a:rPr>
+              <a:t> % </a:t>
+            </a:r>
+            <a:r>
+              <a:rPr lang="en-US" sz="1400" dirty="0" err="1">
+                <a:latin typeface="Arial" panose="020B0604020202020204" pitchFamily="34" charset="0"/>
+                <a:cs typeface="Arial" panose="020B0604020202020204" pitchFamily="34" charset="0"/>
+              </a:rPr>
+              <a:t>greenPass</a:t>
+            </a:r>
+            <a:endParaRPr lang="en-US" sz="1400" dirty="0">
+              <a:latin typeface="Arial" panose="020B0604020202020204" pitchFamily="34" charset="0"/>
+              <a:cs typeface="Arial" panose="020B0604020202020204" pitchFamily="34" charset="0"/>
+            </a:endParaRPr>
+          </a:p>
+          <a:p>
+            <a:r>
+              <a:rPr lang="en-US" sz="1400" dirty="0">
+                <a:latin typeface="Arial" panose="020B0604020202020204" pitchFamily="34" charset="0"/>
+                <a:cs typeface="Arial" panose="020B0604020202020204" pitchFamily="34" charset="0"/>
+              </a:rPr>
+              <a:t>    schedule event </a:t>
+            </a:r>
+            <a:r>
+              <a:rPr lang="en-US" sz="1400" dirty="0" err="1">
+                <a:latin typeface="Arial" panose="020B0604020202020204" pitchFamily="34" charset="0"/>
+                <a:cs typeface="Arial" panose="020B0604020202020204" pitchFamily="34" charset="0"/>
+              </a:rPr>
+              <a:t>TrafficLightDeparture</a:t>
+            </a:r>
+            <a:r>
+              <a:rPr lang="en-US" sz="1400" dirty="0">
+                <a:latin typeface="Arial" panose="020B0604020202020204" pitchFamily="34" charset="0"/>
+                <a:cs typeface="Arial" panose="020B0604020202020204" pitchFamily="34" charset="0"/>
+              </a:rPr>
+              <a:t> at (</a:t>
+            </a:r>
+            <a:r>
+              <a:rPr lang="en-US" sz="1400" dirty="0" err="1">
+                <a:latin typeface="Arial" panose="020B0604020202020204" pitchFamily="34" charset="0"/>
+                <a:cs typeface="Arial" panose="020B0604020202020204" pitchFamily="34" charset="0"/>
+              </a:rPr>
+              <a:t>nextGreen</a:t>
+            </a:r>
+            <a:r>
+              <a:rPr lang="en-US" sz="1400" dirty="0">
+                <a:latin typeface="Arial" panose="020B0604020202020204" pitchFamily="34" charset="0"/>
+                <a:cs typeface="Arial" panose="020B0604020202020204" pitchFamily="34" charset="0"/>
+              </a:rPr>
+              <a:t>(@now, </a:t>
+            </a:r>
+            <a:r>
+              <a:rPr lang="en-US" sz="1400" dirty="0" err="1">
+                <a:latin typeface="Arial" panose="020B0604020202020204" pitchFamily="34" charset="0"/>
+                <a:cs typeface="Arial" panose="020B0604020202020204" pitchFamily="34" charset="0"/>
+              </a:rPr>
+              <a:t>numGreens</a:t>
+            </a:r>
+            <a:r>
+              <a:rPr lang="en-US" sz="1400" dirty="0">
+                <a:latin typeface="Arial" panose="020B0604020202020204" pitchFamily="34" charset="0"/>
+                <a:cs typeface="Arial" panose="020B0604020202020204" pitchFamily="34" charset="0"/>
+              </a:rPr>
+              <a:t>) + </a:t>
+            </a:r>
+            <a:r>
+              <a:rPr lang="en-US" sz="1400" dirty="0" err="1">
+                <a:latin typeface="Arial" panose="020B0604020202020204" pitchFamily="34" charset="0"/>
+                <a:cs typeface="Arial" panose="020B0604020202020204" pitchFamily="34" charset="0"/>
+              </a:rPr>
+              <a:t>resPass</a:t>
+            </a:r>
+            <a:r>
+              <a:rPr lang="en-US" sz="1400" dirty="0">
+                <a:latin typeface="Arial" panose="020B0604020202020204" pitchFamily="34" charset="0"/>
+                <a:cs typeface="Arial" panose="020B0604020202020204" pitchFamily="34" charset="0"/>
+              </a:rPr>
+              <a:t> * W)</a:t>
+            </a:r>
+          </a:p>
+          <a:p>
+            <a:r>
+              <a:rPr lang="en-US" sz="1400" dirty="0">
+                <a:latin typeface="Arial" panose="020B0604020202020204" pitchFamily="34" charset="0"/>
+                <a:cs typeface="Arial" panose="020B0604020202020204" pitchFamily="34" charset="0"/>
+              </a:rPr>
+              <a:t>} else {</a:t>
+            </a:r>
+          </a:p>
+          <a:p>
+            <a:r>
+              <a:rPr lang="en-US" sz="1400" dirty="0">
+                <a:latin typeface="Arial" panose="020B0604020202020204" pitchFamily="34" charset="0"/>
+                <a:cs typeface="Arial" panose="020B0604020202020204" pitchFamily="34" charset="0"/>
+              </a:rPr>
+              <a:t>    </a:t>
+            </a:r>
+            <a:r>
+              <a:rPr lang="en-US" sz="1400" dirty="0" err="1">
+                <a:latin typeface="Arial" panose="020B0604020202020204" pitchFamily="34" charset="0"/>
+                <a:cs typeface="Arial" panose="020B0604020202020204" pitchFamily="34" charset="0"/>
+              </a:rPr>
+              <a:t>currPass</a:t>
+            </a:r>
+            <a:r>
+              <a:rPr lang="en-US" sz="1400" dirty="0">
+                <a:latin typeface="Arial" panose="020B0604020202020204" pitchFamily="34" charset="0"/>
+                <a:cs typeface="Arial" panose="020B0604020202020204" pitchFamily="34" charset="0"/>
+              </a:rPr>
+              <a:t> = floor((</a:t>
+            </a:r>
+            <a:r>
+              <a:rPr lang="en-US" sz="1400" dirty="0" err="1">
+                <a:latin typeface="Arial" panose="020B0604020202020204" pitchFamily="34" charset="0"/>
+                <a:cs typeface="Arial" panose="020B0604020202020204" pitchFamily="34" charset="0"/>
+              </a:rPr>
+              <a:t>nextRed</a:t>
+            </a:r>
+            <a:r>
+              <a:rPr lang="en-US" sz="1400" dirty="0">
+                <a:latin typeface="Arial" panose="020B0604020202020204" pitchFamily="34" charset="0"/>
+                <a:cs typeface="Arial" panose="020B0604020202020204" pitchFamily="34" charset="0"/>
+              </a:rPr>
+              <a:t>(@now) - @now) / W)</a:t>
+            </a:r>
+          </a:p>
+          <a:p>
+            <a:r>
+              <a:rPr lang="en-US" sz="1400" dirty="0">
+                <a:latin typeface="Arial" panose="020B0604020202020204" pitchFamily="34" charset="0"/>
+                <a:cs typeface="Arial" panose="020B0604020202020204" pitchFamily="34" charset="0"/>
+              </a:rPr>
+              <a:t>    if (</a:t>
+            </a:r>
+            <a:r>
+              <a:rPr lang="en-US" sz="1400" dirty="0" err="1">
+                <a:latin typeface="Arial" panose="020B0604020202020204" pitchFamily="34" charset="0"/>
+                <a:cs typeface="Arial" panose="020B0604020202020204" pitchFamily="34" charset="0"/>
+              </a:rPr>
+              <a:t>currPass</a:t>
+            </a:r>
+            <a:r>
+              <a:rPr lang="en-US" sz="1400" dirty="0">
+                <a:latin typeface="Arial" panose="020B0604020202020204" pitchFamily="34" charset="0"/>
+                <a:cs typeface="Arial" panose="020B0604020202020204" pitchFamily="34" charset="0"/>
+              </a:rPr>
+              <a:t> &gt;= </a:t>
+            </a:r>
+            <a:r>
+              <a:rPr lang="en-US" sz="1400" dirty="0" err="1">
+                <a:latin typeface="Arial" panose="020B0604020202020204" pitchFamily="34" charset="0"/>
+                <a:cs typeface="Arial" panose="020B0604020202020204" pitchFamily="34" charset="0"/>
+              </a:rPr>
+              <a:t>numVehiclesToPass</a:t>
+            </a:r>
+            <a:r>
+              <a:rPr lang="en-US" sz="1400" dirty="0">
+                <a:latin typeface="Arial" panose="020B0604020202020204" pitchFamily="34" charset="0"/>
+                <a:cs typeface="Arial" panose="020B0604020202020204" pitchFamily="34" charset="0"/>
+              </a:rPr>
+              <a:t>) {</a:t>
+            </a:r>
+          </a:p>
+          <a:p>
+            <a:r>
+              <a:rPr lang="en-US" sz="1400" dirty="0">
+                <a:latin typeface="Arial" panose="020B0604020202020204" pitchFamily="34" charset="0"/>
+                <a:cs typeface="Arial" panose="020B0604020202020204" pitchFamily="34" charset="0"/>
+              </a:rPr>
+              <a:t>        schedule event </a:t>
+            </a:r>
+            <a:r>
+              <a:rPr lang="en-US" sz="1400" dirty="0" err="1">
+                <a:latin typeface="Arial" panose="020B0604020202020204" pitchFamily="34" charset="0"/>
+                <a:cs typeface="Arial" panose="020B0604020202020204" pitchFamily="34" charset="0"/>
+              </a:rPr>
+              <a:t>TrafficLightDeparture</a:t>
+            </a:r>
+            <a:r>
+              <a:rPr lang="en-US" sz="1400" dirty="0">
+                <a:latin typeface="Arial" panose="020B0604020202020204" pitchFamily="34" charset="0"/>
+                <a:cs typeface="Arial" panose="020B0604020202020204" pitchFamily="34" charset="0"/>
+              </a:rPr>
+              <a:t> at (</a:t>
+            </a:r>
+            <a:r>
+              <a:rPr lang="en-US" sz="1400" dirty="0" err="1">
+                <a:latin typeface="Arial" panose="020B0604020202020204" pitchFamily="34" charset="0"/>
+                <a:cs typeface="Arial" panose="020B0604020202020204" pitchFamily="34" charset="0"/>
+              </a:rPr>
+              <a:t>numVehiclesToPass</a:t>
+            </a:r>
+            <a:r>
+              <a:rPr lang="en-US" sz="1400" dirty="0">
+                <a:latin typeface="Arial" panose="020B0604020202020204" pitchFamily="34" charset="0"/>
+                <a:cs typeface="Arial" panose="020B0604020202020204" pitchFamily="34" charset="0"/>
+              </a:rPr>
+              <a:t> * W)</a:t>
+            </a:r>
+          </a:p>
+          <a:p>
+            <a:r>
+              <a:rPr lang="en-US" sz="1400" dirty="0">
+                <a:latin typeface="Arial" panose="020B0604020202020204" pitchFamily="34" charset="0"/>
+                <a:cs typeface="Arial" panose="020B0604020202020204" pitchFamily="34" charset="0"/>
+              </a:rPr>
+              <a:t>    } else {</a:t>
+            </a:r>
+          </a:p>
+          <a:p>
+            <a:r>
+              <a:rPr lang="en-US" sz="1400" dirty="0">
+                <a:latin typeface="Arial" panose="020B0604020202020204" pitchFamily="34" charset="0"/>
+                <a:cs typeface="Arial" panose="020B0604020202020204" pitchFamily="34" charset="0"/>
+              </a:rPr>
+              <a:t>        </a:t>
+            </a:r>
+            <a:r>
+              <a:rPr lang="en-US" sz="1400" dirty="0" err="1">
+                <a:latin typeface="Arial" panose="020B0604020202020204" pitchFamily="34" charset="0"/>
+                <a:cs typeface="Arial" panose="020B0604020202020204" pitchFamily="34" charset="0"/>
+              </a:rPr>
+              <a:t>numVehiclesToPass</a:t>
+            </a:r>
+            <a:r>
+              <a:rPr lang="en-US" sz="1400" dirty="0">
+                <a:latin typeface="Arial" panose="020B0604020202020204" pitchFamily="34" charset="0"/>
+                <a:cs typeface="Arial" panose="020B0604020202020204" pitchFamily="34" charset="0"/>
+              </a:rPr>
+              <a:t> -= </a:t>
+            </a:r>
+            <a:r>
+              <a:rPr lang="en-US" sz="1400" dirty="0" err="1">
+                <a:latin typeface="Arial" panose="020B0604020202020204" pitchFamily="34" charset="0"/>
+                <a:cs typeface="Arial" panose="020B0604020202020204" pitchFamily="34" charset="0"/>
+              </a:rPr>
+              <a:t>currPass</a:t>
+            </a:r>
+            <a:endParaRPr lang="en-US" sz="1400" dirty="0">
+              <a:latin typeface="Arial" panose="020B0604020202020204" pitchFamily="34" charset="0"/>
+              <a:cs typeface="Arial" panose="020B0604020202020204" pitchFamily="34" charset="0"/>
+            </a:endParaRPr>
+          </a:p>
+          <a:p>
+            <a:r>
+              <a:rPr lang="en-US" sz="1400" dirty="0">
+                <a:latin typeface="Arial" panose="020B0604020202020204" pitchFamily="34" charset="0"/>
+                <a:cs typeface="Arial" panose="020B0604020202020204" pitchFamily="34" charset="0"/>
+              </a:rPr>
+              <a:t>        </a:t>
+            </a:r>
+            <a:r>
+              <a:rPr lang="en-US" sz="1400" dirty="0" err="1">
+                <a:latin typeface="Arial" panose="020B0604020202020204" pitchFamily="34" charset="0"/>
+                <a:cs typeface="Arial" panose="020B0604020202020204" pitchFamily="34" charset="0"/>
+              </a:rPr>
+              <a:t>numGreens</a:t>
+            </a:r>
+            <a:r>
+              <a:rPr lang="en-US" sz="1400" dirty="0">
+                <a:latin typeface="Arial" panose="020B0604020202020204" pitchFamily="34" charset="0"/>
+                <a:cs typeface="Arial" panose="020B0604020202020204" pitchFamily="34" charset="0"/>
+              </a:rPr>
+              <a:t> = </a:t>
+            </a:r>
+            <a:r>
+              <a:rPr lang="en-US" sz="1400" dirty="0" err="1">
+                <a:latin typeface="Arial" panose="020B0604020202020204" pitchFamily="34" charset="0"/>
+                <a:cs typeface="Arial" panose="020B0604020202020204" pitchFamily="34" charset="0"/>
+              </a:rPr>
+              <a:t>numVehiclesToPass</a:t>
+            </a:r>
+            <a:r>
+              <a:rPr lang="en-US" sz="1400" dirty="0">
+                <a:latin typeface="Arial" panose="020B0604020202020204" pitchFamily="34" charset="0"/>
+                <a:cs typeface="Arial" panose="020B0604020202020204" pitchFamily="34" charset="0"/>
+              </a:rPr>
+              <a:t> / </a:t>
+            </a:r>
+            <a:r>
+              <a:rPr lang="en-US" sz="1400" dirty="0" err="1">
+                <a:latin typeface="Arial" panose="020B0604020202020204" pitchFamily="34" charset="0"/>
+                <a:cs typeface="Arial" panose="020B0604020202020204" pitchFamily="34" charset="0"/>
+              </a:rPr>
+              <a:t>greenPass</a:t>
+            </a:r>
+            <a:endParaRPr lang="en-US" sz="1400" dirty="0">
+              <a:latin typeface="Arial" panose="020B0604020202020204" pitchFamily="34" charset="0"/>
+              <a:cs typeface="Arial" panose="020B0604020202020204" pitchFamily="34" charset="0"/>
+            </a:endParaRPr>
+          </a:p>
+          <a:p>
+            <a:r>
+              <a:rPr lang="en-US" sz="1400" dirty="0">
+                <a:latin typeface="Arial" panose="020B0604020202020204" pitchFamily="34" charset="0"/>
+                <a:cs typeface="Arial" panose="020B0604020202020204" pitchFamily="34" charset="0"/>
+              </a:rPr>
+              <a:t>        </a:t>
+            </a:r>
+            <a:r>
+              <a:rPr lang="en-US" sz="1400" dirty="0" err="1">
+                <a:latin typeface="Arial" panose="020B0604020202020204" pitchFamily="34" charset="0"/>
+                <a:cs typeface="Arial" panose="020B0604020202020204" pitchFamily="34" charset="0"/>
+              </a:rPr>
+              <a:t>resPass</a:t>
+            </a:r>
+            <a:r>
+              <a:rPr lang="en-US" sz="1400" dirty="0">
+                <a:latin typeface="Arial" panose="020B0604020202020204" pitchFamily="34" charset="0"/>
+                <a:cs typeface="Arial" panose="020B0604020202020204" pitchFamily="34" charset="0"/>
+              </a:rPr>
+              <a:t> = </a:t>
+            </a:r>
+            <a:r>
+              <a:rPr lang="en-US" sz="1400" dirty="0" err="1">
+                <a:latin typeface="Arial" panose="020B0604020202020204" pitchFamily="34" charset="0"/>
+                <a:cs typeface="Arial" panose="020B0604020202020204" pitchFamily="34" charset="0"/>
+              </a:rPr>
+              <a:t>numVehiclesToPass</a:t>
+            </a:r>
+            <a:r>
+              <a:rPr lang="en-US" sz="1400" dirty="0">
+                <a:latin typeface="Arial" panose="020B0604020202020204" pitchFamily="34" charset="0"/>
+                <a:cs typeface="Arial" panose="020B0604020202020204" pitchFamily="34" charset="0"/>
+              </a:rPr>
+              <a:t> % </a:t>
+            </a:r>
+            <a:r>
+              <a:rPr lang="en-US" sz="1400" dirty="0" err="1">
+                <a:latin typeface="Arial" panose="020B0604020202020204" pitchFamily="34" charset="0"/>
+                <a:cs typeface="Arial" panose="020B0604020202020204" pitchFamily="34" charset="0"/>
+              </a:rPr>
+              <a:t>greenPass</a:t>
+            </a:r>
+            <a:endParaRPr lang="en-US" sz="1400" dirty="0">
+              <a:latin typeface="Arial" panose="020B0604020202020204" pitchFamily="34" charset="0"/>
+              <a:cs typeface="Arial" panose="020B0604020202020204" pitchFamily="34" charset="0"/>
+            </a:endParaRPr>
+          </a:p>
+          <a:p>
+            <a:r>
+              <a:rPr lang="en-US" sz="1400" dirty="0">
+                <a:latin typeface="Arial" panose="020B0604020202020204" pitchFamily="34" charset="0"/>
+                <a:cs typeface="Arial" panose="020B0604020202020204" pitchFamily="34" charset="0"/>
+              </a:rPr>
+              <a:t>        schedule event </a:t>
+            </a:r>
+            <a:r>
+              <a:rPr lang="en-US" sz="1400" dirty="0" err="1">
+                <a:latin typeface="Arial" panose="020B0604020202020204" pitchFamily="34" charset="0"/>
+                <a:cs typeface="Arial" panose="020B0604020202020204" pitchFamily="34" charset="0"/>
+              </a:rPr>
+              <a:t>TrafficLightDeparture</a:t>
+            </a:r>
+            <a:r>
+              <a:rPr lang="en-US" sz="1400" dirty="0">
+                <a:latin typeface="Arial" panose="020B0604020202020204" pitchFamily="34" charset="0"/>
+                <a:cs typeface="Arial" panose="020B0604020202020204" pitchFamily="34" charset="0"/>
+              </a:rPr>
+              <a:t> at (</a:t>
+            </a:r>
+            <a:r>
+              <a:rPr lang="en-US" sz="1400" dirty="0" err="1">
+                <a:latin typeface="Arial" panose="020B0604020202020204" pitchFamily="34" charset="0"/>
+                <a:cs typeface="Arial" panose="020B0604020202020204" pitchFamily="34" charset="0"/>
+              </a:rPr>
+              <a:t>nextGreen</a:t>
+            </a:r>
+            <a:r>
+              <a:rPr lang="en-US" sz="1400" dirty="0">
+                <a:latin typeface="Arial" panose="020B0604020202020204" pitchFamily="34" charset="0"/>
+                <a:cs typeface="Arial" panose="020B0604020202020204" pitchFamily="34" charset="0"/>
+              </a:rPr>
+              <a:t>(@now, </a:t>
+            </a:r>
+            <a:r>
+              <a:rPr lang="en-US" sz="1400" dirty="0" err="1">
+                <a:latin typeface="Arial" panose="020B0604020202020204" pitchFamily="34" charset="0"/>
+                <a:cs typeface="Arial" panose="020B0604020202020204" pitchFamily="34" charset="0"/>
+              </a:rPr>
+              <a:t>numGreens</a:t>
+            </a:r>
+            <a:r>
+              <a:rPr lang="en-US" sz="1400" dirty="0">
+                <a:latin typeface="Arial" panose="020B0604020202020204" pitchFamily="34" charset="0"/>
+                <a:cs typeface="Arial" panose="020B0604020202020204" pitchFamily="34" charset="0"/>
+              </a:rPr>
+              <a:t>) + </a:t>
+            </a:r>
+            <a:r>
+              <a:rPr lang="en-US" sz="1400" dirty="0" err="1">
+                <a:latin typeface="Arial" panose="020B0604020202020204" pitchFamily="34" charset="0"/>
+                <a:cs typeface="Arial" panose="020B0604020202020204" pitchFamily="34" charset="0"/>
+              </a:rPr>
+              <a:t>resPass</a:t>
+            </a:r>
+            <a:r>
+              <a:rPr lang="en-US" sz="1400" dirty="0">
+                <a:latin typeface="Arial" panose="020B0604020202020204" pitchFamily="34" charset="0"/>
+                <a:cs typeface="Arial" panose="020B0604020202020204" pitchFamily="34" charset="0"/>
+              </a:rPr>
+              <a:t> * W)</a:t>
+            </a:r>
+          </a:p>
+          <a:p>
+            <a:r>
+              <a:rPr lang="en-US" sz="1400" dirty="0">
+                <a:latin typeface="Arial" panose="020B0604020202020204" pitchFamily="34" charset="0"/>
+                <a:cs typeface="Arial" panose="020B0604020202020204" pitchFamily="34" charset="0"/>
+              </a:rPr>
+              <a:t>    }</a:t>
+            </a:r>
+          </a:p>
+          <a:p>
+            <a:r>
+              <a:rPr lang="en-US" sz="1400" dirty="0">
+                <a:latin typeface="Arial" panose="020B0604020202020204" pitchFamily="34" charset="0"/>
+                <a:cs typeface="Arial" panose="020B0604020202020204" pitchFamily="34" charset="0"/>
+              </a:rPr>
+              <a:t>} </a:t>
+            </a:r>
+          </a:p>
+        </p:txBody>
+      </p:sp>
+      <p:sp>
+        <p:nvSpPr>
+          <p:cNvPr id="14" name="TextBox 13">
+            <a:extLst>
+              <a:ext uri="{FF2B5EF4-FFF2-40B4-BE49-F238E27FC236}">
+                <a16:creationId xmlns:a16="http://schemas.microsoft.com/office/drawing/2014/main" id="{2EB505ED-3CFB-4846-ABF4-4EFA28293661}"/>
               </a:ext>
             </a:extLst>
           </p:cNvPr>
@@ -3380,8 +3978,8 @@
         </p:nvSpPr>
         <p:spPr>
           <a:xfrm>
-            <a:off x="1850724" y="947954"/>
-            <a:ext cx="8769738" cy="2523768"/>
+            <a:off x="7486116" y="0"/>
+            <a:ext cx="4705884" cy="800219"/>
           </a:xfrm>
           <a:prstGeom prst="rect">
             <a:avLst/>
@@ -3399,7 +3997,7 @@
                 <a:latin typeface="Arial" panose="020B0604020202020204" pitchFamily="34" charset="0"/>
                 <a:cs typeface="Arial" panose="020B0604020202020204" pitchFamily="34" charset="0"/>
               </a:rPr>
-              <a:t>TrafficLightArrival</a:t>
+              <a:t>TrafficLightDeparture</a:t>
             </a:r>
             <a:endParaRPr lang="en-US" dirty="0">
               <a:latin typeface="Arial" panose="020B0604020202020204" pitchFamily="34" charset="0"/>
@@ -3412,296 +4010,51 @@
                 <a:latin typeface="Arial" panose="020B0604020202020204" pitchFamily="34" charset="0"/>
                 <a:cs typeface="Arial" panose="020B0604020202020204" pitchFamily="34" charset="0"/>
               </a:rPr>
-              <a:t>numVehiclesToPass</a:t>
-            </a:r>
-            <a:r>
-              <a:rPr lang="en-US" sz="1400" dirty="0">
-                <a:latin typeface="Arial" panose="020B0604020202020204" pitchFamily="34" charset="0"/>
-                <a:cs typeface="Arial" panose="020B0604020202020204" pitchFamily="34" charset="0"/>
-              </a:rPr>
-              <a:t> = </a:t>
+              <a:t>vehicleQueue.remove</a:t>
+            </a:r>
+            <a:r>
+              <a:rPr lang="en-US" sz="1400" dirty="0">
+                <a:latin typeface="Arial" panose="020B0604020202020204" pitchFamily="34" charset="0"/>
+                <a:cs typeface="Arial" panose="020B0604020202020204" pitchFamily="34" charset="0"/>
+              </a:rPr>
+              <a:t>(0)</a:t>
+            </a:r>
+          </a:p>
+          <a:p>
+            <a:r>
+              <a:rPr lang="en-US" sz="1400" dirty="0">
+                <a:latin typeface="Arial" panose="020B0604020202020204" pitchFamily="34" charset="0"/>
+                <a:cs typeface="Arial" panose="020B0604020202020204" pitchFamily="34" charset="0"/>
+              </a:rPr>
+              <a:t>schedule event  </a:t>
+            </a:r>
+            <a:r>
+              <a:rPr lang="en-US" sz="1400" b="1" dirty="0">
+                <a:latin typeface="Arial" panose="020B0604020202020204" pitchFamily="34" charset="0"/>
+                <a:cs typeface="Arial" panose="020B0604020202020204" pitchFamily="34" charset="0"/>
+              </a:rPr>
+              <a:t>next</a:t>
+            </a:r>
+            <a:r>
+              <a:rPr lang="en-US" sz="1400" dirty="0">
+                <a:latin typeface="Arial" panose="020B0604020202020204" pitchFamily="34" charset="0"/>
+                <a:cs typeface="Arial" panose="020B0604020202020204" pitchFamily="34" charset="0"/>
+              </a:rPr>
+              <a:t> </a:t>
             </a:r>
             <a:r>
               <a:rPr lang="en-US" sz="1400" dirty="0" err="1">
                 <a:latin typeface="Arial" panose="020B0604020202020204" pitchFamily="34" charset="0"/>
                 <a:cs typeface="Arial" panose="020B0604020202020204" pitchFamily="34" charset="0"/>
               </a:rPr>
-              <a:t>vehicleQueue.size</a:t>
-            </a:r>
-            <a:r>
-              <a:rPr lang="en-US" sz="1400" dirty="0">
-                <a:latin typeface="Arial" panose="020B0604020202020204" pitchFamily="34" charset="0"/>
-                <a:cs typeface="Arial" panose="020B0604020202020204" pitchFamily="34" charset="0"/>
-              </a:rPr>
-              <a:t>()</a:t>
-            </a:r>
-          </a:p>
-          <a:p>
-            <a:r>
-              <a:rPr lang="en-US" sz="1400" dirty="0">
-                <a:latin typeface="Arial" panose="020B0604020202020204" pitchFamily="34" charset="0"/>
-                <a:cs typeface="Arial" panose="020B0604020202020204" pitchFamily="34" charset="0"/>
-              </a:rPr>
-              <a:t>if </a:t>
-            </a:r>
-            <a:r>
-              <a:rPr lang="en-US" sz="1400" dirty="0" err="1">
-                <a:latin typeface="Arial" panose="020B0604020202020204" pitchFamily="34" charset="0"/>
-                <a:cs typeface="Arial" panose="020B0604020202020204" pitchFamily="34" charset="0"/>
-              </a:rPr>
-              <a:t>isRed</a:t>
-            </a:r>
-            <a:r>
-              <a:rPr lang="en-US" sz="1400" dirty="0">
-                <a:latin typeface="Arial" panose="020B0604020202020204" pitchFamily="34" charset="0"/>
-                <a:cs typeface="Arial" panose="020B0604020202020204" pitchFamily="34" charset="0"/>
-              </a:rPr>
-              <a:t>(@now) {</a:t>
-            </a:r>
-          </a:p>
-          <a:p>
-            <a:r>
-              <a:rPr lang="en-US" sz="1400" dirty="0">
-                <a:latin typeface="Arial" panose="020B0604020202020204" pitchFamily="34" charset="0"/>
-                <a:cs typeface="Arial" panose="020B0604020202020204" pitchFamily="34" charset="0"/>
-              </a:rPr>
-              <a:t>    </a:t>
-            </a:r>
-            <a:r>
-              <a:rPr lang="en-US" sz="1400" dirty="0" err="1">
-                <a:latin typeface="Arial" panose="020B0604020202020204" pitchFamily="34" charset="0"/>
-                <a:cs typeface="Arial" panose="020B0604020202020204" pitchFamily="34" charset="0"/>
-              </a:rPr>
-              <a:t>vehicleQueue.add</a:t>
-            </a:r>
-            <a:r>
-              <a:rPr lang="en-US" sz="1400" dirty="0">
-                <a:latin typeface="Arial" panose="020B0604020202020204" pitchFamily="34" charset="0"/>
-                <a:cs typeface="Arial" panose="020B0604020202020204" pitchFamily="34" charset="0"/>
-              </a:rPr>
-              <a:t>(vehicle)</a:t>
-            </a:r>
-          </a:p>
-          <a:p>
-            <a:r>
-              <a:rPr lang="en-US" sz="1400" dirty="0">
-                <a:latin typeface="Arial" panose="020B0604020202020204" pitchFamily="34" charset="0"/>
-                <a:cs typeface="Arial" panose="020B0604020202020204" pitchFamily="34" charset="0"/>
-              </a:rPr>
-              <a:t>    </a:t>
-            </a:r>
-            <a:r>
-              <a:rPr lang="en-US" sz="1400" dirty="0" err="1">
-                <a:latin typeface="Arial" panose="020B0604020202020204" pitchFamily="34" charset="0"/>
-                <a:cs typeface="Arial" panose="020B0604020202020204" pitchFamily="34" charset="0"/>
-              </a:rPr>
-              <a:t>greenPass</a:t>
-            </a:r>
-            <a:r>
-              <a:rPr lang="en-US" sz="1400" dirty="0">
-                <a:latin typeface="Arial" panose="020B0604020202020204" pitchFamily="34" charset="0"/>
-                <a:cs typeface="Arial" panose="020B0604020202020204" pitchFamily="34" charset="0"/>
-              </a:rPr>
-              <a:t> = floor(GREEN_DURATION / W)</a:t>
-            </a:r>
-          </a:p>
-          <a:p>
-            <a:r>
-              <a:rPr lang="en-US" sz="1400" dirty="0">
-                <a:latin typeface="Arial" panose="020B0604020202020204" pitchFamily="34" charset="0"/>
-                <a:cs typeface="Arial" panose="020B0604020202020204" pitchFamily="34" charset="0"/>
-              </a:rPr>
-              <a:t>    </a:t>
-            </a:r>
-            <a:r>
-              <a:rPr lang="en-US" sz="1400" dirty="0" err="1">
-                <a:latin typeface="Arial" panose="020B0604020202020204" pitchFamily="34" charset="0"/>
-                <a:cs typeface="Arial" panose="020B0604020202020204" pitchFamily="34" charset="0"/>
-              </a:rPr>
-              <a:t>numGreens</a:t>
-            </a:r>
-            <a:r>
-              <a:rPr lang="en-US" sz="1400" dirty="0">
-                <a:latin typeface="Arial" panose="020B0604020202020204" pitchFamily="34" charset="0"/>
-                <a:cs typeface="Arial" panose="020B0604020202020204" pitchFamily="34" charset="0"/>
-              </a:rPr>
-              <a:t> = </a:t>
-            </a:r>
-            <a:r>
-              <a:rPr lang="en-US" sz="1400" dirty="0" err="1">
-                <a:latin typeface="Arial" panose="020B0604020202020204" pitchFamily="34" charset="0"/>
-                <a:cs typeface="Arial" panose="020B0604020202020204" pitchFamily="34" charset="0"/>
-              </a:rPr>
-              <a:t>numVehiclesToPass</a:t>
-            </a:r>
-            <a:r>
-              <a:rPr lang="en-US" sz="1400" dirty="0">
-                <a:latin typeface="Arial" panose="020B0604020202020204" pitchFamily="34" charset="0"/>
-                <a:cs typeface="Arial" panose="020B0604020202020204" pitchFamily="34" charset="0"/>
-              </a:rPr>
-              <a:t> / </a:t>
-            </a:r>
-            <a:r>
-              <a:rPr lang="en-US" sz="1400" dirty="0" err="1">
-                <a:latin typeface="Arial" panose="020B0604020202020204" pitchFamily="34" charset="0"/>
-                <a:cs typeface="Arial" panose="020B0604020202020204" pitchFamily="34" charset="0"/>
-              </a:rPr>
-              <a:t>greenPass</a:t>
-            </a:r>
-            <a:endParaRPr lang="en-US" sz="1400" dirty="0">
-              <a:latin typeface="Arial" panose="020B0604020202020204" pitchFamily="34" charset="0"/>
-              <a:cs typeface="Arial" panose="020B0604020202020204" pitchFamily="34" charset="0"/>
-            </a:endParaRPr>
-          </a:p>
-          <a:p>
-            <a:r>
-              <a:rPr lang="en-US" sz="1400" dirty="0">
-                <a:latin typeface="Arial" panose="020B0604020202020204" pitchFamily="34" charset="0"/>
-                <a:cs typeface="Arial" panose="020B0604020202020204" pitchFamily="34" charset="0"/>
-              </a:rPr>
-              <a:t>    </a:t>
-            </a:r>
-            <a:r>
-              <a:rPr lang="en-US" sz="1400" dirty="0" err="1">
-                <a:latin typeface="Arial" panose="020B0604020202020204" pitchFamily="34" charset="0"/>
-                <a:cs typeface="Arial" panose="020B0604020202020204" pitchFamily="34" charset="0"/>
-              </a:rPr>
-              <a:t>resPass</a:t>
-            </a:r>
-            <a:r>
-              <a:rPr lang="en-US" sz="1400" dirty="0">
-                <a:latin typeface="Arial" panose="020B0604020202020204" pitchFamily="34" charset="0"/>
-                <a:cs typeface="Arial" panose="020B0604020202020204" pitchFamily="34" charset="0"/>
-              </a:rPr>
-              <a:t> = </a:t>
-            </a:r>
-            <a:r>
-              <a:rPr lang="en-US" sz="1400" dirty="0" err="1">
-                <a:latin typeface="Arial" panose="020B0604020202020204" pitchFamily="34" charset="0"/>
-                <a:cs typeface="Arial" panose="020B0604020202020204" pitchFamily="34" charset="0"/>
-              </a:rPr>
-              <a:t>numVehiclesToPass</a:t>
-            </a:r>
-            <a:r>
-              <a:rPr lang="en-US" sz="1400" dirty="0">
-                <a:latin typeface="Arial" panose="020B0604020202020204" pitchFamily="34" charset="0"/>
-                <a:cs typeface="Arial" panose="020B0604020202020204" pitchFamily="34" charset="0"/>
-              </a:rPr>
-              <a:t> % </a:t>
-            </a:r>
-            <a:r>
-              <a:rPr lang="en-US" sz="1400" dirty="0" err="1">
-                <a:latin typeface="Arial" panose="020B0604020202020204" pitchFamily="34" charset="0"/>
-                <a:cs typeface="Arial" panose="020B0604020202020204" pitchFamily="34" charset="0"/>
-              </a:rPr>
-              <a:t>greenPass</a:t>
-            </a:r>
-            <a:endParaRPr lang="en-US" sz="1400" dirty="0">
-              <a:latin typeface="Arial" panose="020B0604020202020204" pitchFamily="34" charset="0"/>
-              <a:cs typeface="Arial" panose="020B0604020202020204" pitchFamily="34" charset="0"/>
-            </a:endParaRPr>
-          </a:p>
-          <a:p>
-            <a:r>
-              <a:rPr lang="en-US" sz="1400" dirty="0">
-                <a:latin typeface="Arial" panose="020B0604020202020204" pitchFamily="34" charset="0"/>
-                <a:cs typeface="Arial" panose="020B0604020202020204" pitchFamily="34" charset="0"/>
-              </a:rPr>
-              <a:t>    schedule event </a:t>
-            </a:r>
-            <a:r>
-              <a:rPr lang="en-US" sz="1400" dirty="0" err="1">
-                <a:latin typeface="Arial" panose="020B0604020202020204" pitchFamily="34" charset="0"/>
-                <a:cs typeface="Arial" panose="020B0604020202020204" pitchFamily="34" charset="0"/>
-              </a:rPr>
-              <a:t>TrafficLightDeparture</a:t>
-            </a:r>
-            <a:r>
-              <a:rPr lang="en-US" sz="1400" dirty="0">
-                <a:latin typeface="Arial" panose="020B0604020202020204" pitchFamily="34" charset="0"/>
-                <a:cs typeface="Arial" panose="020B0604020202020204" pitchFamily="34" charset="0"/>
-              </a:rPr>
-              <a:t> at (</a:t>
-            </a:r>
-            <a:r>
-              <a:rPr lang="en-US" sz="1400" dirty="0" err="1">
-                <a:latin typeface="Arial" panose="020B0604020202020204" pitchFamily="34" charset="0"/>
-                <a:cs typeface="Arial" panose="020B0604020202020204" pitchFamily="34" charset="0"/>
-              </a:rPr>
-              <a:t>nextGreen</a:t>
-            </a:r>
-            <a:r>
-              <a:rPr lang="en-US" sz="1400" dirty="0">
-                <a:latin typeface="Arial" panose="020B0604020202020204" pitchFamily="34" charset="0"/>
-                <a:cs typeface="Arial" panose="020B0604020202020204" pitchFamily="34" charset="0"/>
-              </a:rPr>
-              <a:t>(@now, </a:t>
-            </a:r>
-            <a:r>
-              <a:rPr lang="en-US" sz="1400" dirty="0" err="1">
-                <a:latin typeface="Arial" panose="020B0604020202020204" pitchFamily="34" charset="0"/>
-                <a:cs typeface="Arial" panose="020B0604020202020204" pitchFamily="34" charset="0"/>
-              </a:rPr>
-              <a:t>numGreens</a:t>
-            </a:r>
-            <a:r>
-              <a:rPr lang="en-US" sz="1400" dirty="0">
-                <a:latin typeface="Arial" panose="020B0604020202020204" pitchFamily="34" charset="0"/>
-                <a:cs typeface="Arial" panose="020B0604020202020204" pitchFamily="34" charset="0"/>
-              </a:rPr>
-              <a:t>) + </a:t>
-            </a:r>
-            <a:r>
-              <a:rPr lang="en-US" sz="1400" dirty="0" err="1">
-                <a:latin typeface="Arial" panose="020B0604020202020204" pitchFamily="34" charset="0"/>
-                <a:cs typeface="Arial" panose="020B0604020202020204" pitchFamily="34" charset="0"/>
-              </a:rPr>
-              <a:t>resPass</a:t>
-            </a:r>
-            <a:r>
-              <a:rPr lang="en-US" sz="1400" dirty="0">
-                <a:latin typeface="Arial" panose="020B0604020202020204" pitchFamily="34" charset="0"/>
-                <a:cs typeface="Arial" panose="020B0604020202020204" pitchFamily="34" charset="0"/>
-              </a:rPr>
-              <a:t> </a:t>
-            </a:r>
-            <a:r>
-              <a:rPr lang="en-US" sz="1400">
-                <a:latin typeface="Arial" panose="020B0604020202020204" pitchFamily="34" charset="0"/>
-                <a:cs typeface="Arial" panose="020B0604020202020204" pitchFamily="34" charset="0"/>
-              </a:rPr>
-              <a:t>* W)</a:t>
-            </a:r>
-            <a:endParaRPr lang="en-US" sz="1400" dirty="0">
-              <a:latin typeface="Arial" panose="020B0604020202020204" pitchFamily="34" charset="0"/>
-              <a:cs typeface="Arial" panose="020B0604020202020204" pitchFamily="34" charset="0"/>
-            </a:endParaRPr>
-          </a:p>
-          <a:p>
-            <a:r>
-              <a:rPr lang="en-US" sz="1400" dirty="0">
-                <a:latin typeface="Arial" panose="020B0604020202020204" pitchFamily="34" charset="0"/>
-                <a:cs typeface="Arial" panose="020B0604020202020204" pitchFamily="34" charset="0"/>
-              </a:rPr>
-              <a:t>} else {</a:t>
-            </a:r>
-          </a:p>
-          <a:p>
-            <a:r>
-              <a:rPr lang="en-US" sz="1400" dirty="0">
-                <a:latin typeface="Arial" panose="020B0604020202020204" pitchFamily="34" charset="0"/>
-                <a:cs typeface="Arial" panose="020B0604020202020204" pitchFamily="34" charset="0"/>
-              </a:rPr>
-              <a:t>    </a:t>
-            </a:r>
-          </a:p>
-          <a:p>
-            <a:r>
-              <a:rPr lang="en-US" sz="1400" dirty="0">
-                <a:latin typeface="Arial" panose="020B0604020202020204" pitchFamily="34" charset="0"/>
-                <a:cs typeface="Arial" panose="020B0604020202020204" pitchFamily="34" charset="0"/>
-              </a:rPr>
-              <a:t>} </a:t>
+              <a:t>TrafficLightArrival</a:t>
+            </a:r>
+            <a:r>
+              <a:rPr lang="en-US" sz="1400" dirty="0">
+                <a:latin typeface="Arial" panose="020B0604020202020204" pitchFamily="34" charset="0"/>
+                <a:cs typeface="Arial" panose="020B0604020202020204" pitchFamily="34" charset="0"/>
+              </a:rPr>
+              <a:t> at (@now + T)</a:t>
             </a:r>
           </a:p>
         </p:txBody>

--- a/Notes.pptx
+++ b/Notes.pptx
@@ -3737,7 +3737,7 @@
                 <a:latin typeface="Arial" panose="020B0604020202020204" pitchFamily="34" charset="0"/>
                 <a:cs typeface="Arial" panose="020B0604020202020204" pitchFamily="34" charset="0"/>
               </a:rPr>
-              <a:t> * W)</a:t>
+              <a:t> * W + @now)</a:t>
             </a:r>
           </a:p>
           <a:p>
